--- a/root/usr/paper_report/midterm.pptx
+++ b/root/usr/paper_report/midterm.pptx
@@ -5,7 +5,7 @@
     <p:sldMasterId id="2147483684" r:id="rId1"/>
   </p:sldMasterIdLst>
   <p:notesMasterIdLst>
-    <p:notesMasterId r:id="rId21"/>
+    <p:notesMasterId r:id="rId20"/>
   </p:notesMasterIdLst>
   <p:sldIdLst>
     <p:sldId id="256" r:id="rId2"/>
@@ -26,7 +26,6 @@
     <p:sldId id="275" r:id="rId17"/>
     <p:sldId id="276" r:id="rId18"/>
     <p:sldId id="271" r:id="rId19"/>
-    <p:sldId id="272" r:id="rId20"/>
   </p:sldIdLst>
   <p:sldSz cx="9144000" cy="6858000" type="screen4x3"/>
   <p:notesSz cx="6858000" cy="9144000"/>
@@ -5816,151 +5815,34 @@
           </a:p>
         </p:txBody>
       </p:sp>
+      <p:pic>
+        <p:nvPicPr>
+          <p:cNvPr id="6" name="Picture 5"/>
+          <p:cNvPicPr>
+            <a:picLocks noChangeAspect="1"/>
+          </p:cNvPicPr>
+          <p:nvPr/>
+        </p:nvPicPr>
+        <p:blipFill>
+          <a:blip r:embed="rId2"/>
+          <a:stretch>
+            <a:fillRect/>
+          </a:stretch>
+        </p:blipFill>
+        <p:spPr>
+          <a:xfrm>
+            <a:off x="977348" y="1871662"/>
+            <a:ext cx="7162800" cy="4333875"/>
+          </a:xfrm>
+          <a:prstGeom prst="rect">
+            <a:avLst/>
+          </a:prstGeom>
+        </p:spPr>
+      </p:pic>
     </p:spTree>
     <p:extLst>
       <p:ext uri="{BB962C8B-B14F-4D97-AF65-F5344CB8AC3E}">
         <p14:creationId xmlns:p14="http://schemas.microsoft.com/office/powerpoint/2010/main" val="1268598904"/>
-      </p:ext>
-    </p:extLst>
-  </p:cSld>
-  <p:clrMapOvr>
-    <a:masterClrMapping/>
-  </p:clrMapOvr>
-  <p:timing>
-    <p:tnLst>
-      <p:par>
-        <p:cTn id="1" dur="indefinite" restart="never" nodeType="tmRoot"/>
-      </p:par>
-    </p:tnLst>
-  </p:timing>
-</p:sld>
-</file>
-
-<file path=ppt/slides/slide19.xml><?xml version="1.0" encoding="utf-8"?>
-<p:sld xmlns:a="http://schemas.openxmlformats.org/drawingml/2006/main" xmlns:r="http://schemas.openxmlformats.org/officeDocument/2006/relationships" xmlns:p="http://schemas.openxmlformats.org/presentationml/2006/main">
-  <p:cSld>
-    <p:spTree>
-      <p:nvGrpSpPr>
-        <p:cNvPr id="1" name=""/>
-        <p:cNvGrpSpPr/>
-        <p:nvPr/>
-      </p:nvGrpSpPr>
-      <p:grpSpPr>
-        <a:xfrm>
-          <a:off x="0" y="0"/>
-          <a:ext cx="0" cy="0"/>
-          <a:chOff x="0" y="0"/>
-          <a:chExt cx="0" cy="0"/>
-        </a:xfrm>
-      </p:grpSpPr>
-      <p:sp>
-        <p:nvSpPr>
-          <p:cNvPr id="2" name="Title 1"/>
-          <p:cNvSpPr>
-            <a:spLocks noGrp="1"/>
-          </p:cNvSpPr>
-          <p:nvPr>
-            <p:ph type="title"/>
-          </p:nvPr>
-        </p:nvSpPr>
-        <p:spPr/>
-        <p:txBody>
-          <a:bodyPr/>
-          <a:lstStyle/>
-          <a:p>
-            <a:r>
-              <a:rPr lang="en-US" dirty="0" smtClean="0"/>
-              <a:t>Comparison with </a:t>
-            </a:r>
-            <a:r>
-              <a:rPr lang="en-US" dirty="0" err="1" smtClean="0"/>
-              <a:t>mTCP</a:t>
-            </a:r>
-            <a:r>
-              <a:rPr lang="en-US" dirty="0" smtClean="0"/>
-              <a:t> &amp; </a:t>
-            </a:r>
-            <a:r>
-              <a:rPr lang="en-US" dirty="0" err="1" smtClean="0"/>
-              <a:t>Fastsocket</a:t>
-            </a:r>
-            <a:r>
-              <a:rPr lang="en-US" dirty="0" smtClean="0"/>
-              <a:t>?</a:t>
-            </a:r>
-            <a:endParaRPr lang="en-US" dirty="0"/>
-          </a:p>
-        </p:txBody>
-      </p:sp>
-      <p:sp>
-        <p:nvSpPr>
-          <p:cNvPr id="3" name="Content Placeholder 2"/>
-          <p:cNvSpPr>
-            <a:spLocks noGrp="1"/>
-          </p:cNvSpPr>
-          <p:nvPr>
-            <p:ph idx="1"/>
-          </p:nvPr>
-        </p:nvSpPr>
-        <p:spPr/>
-        <p:txBody>
-          <a:bodyPr/>
-          <a:lstStyle/>
-          <a:p>
-            <a:endParaRPr lang="en-US"/>
-          </a:p>
-        </p:txBody>
-      </p:sp>
-      <p:sp>
-        <p:nvSpPr>
-          <p:cNvPr id="4" name="Date Placeholder 3"/>
-          <p:cNvSpPr>
-            <a:spLocks noGrp="1"/>
-          </p:cNvSpPr>
-          <p:nvPr>
-            <p:ph type="dt" sz="half" idx="10"/>
-          </p:nvPr>
-        </p:nvSpPr>
-        <p:spPr/>
-        <p:txBody>
-          <a:bodyPr/>
-          <a:lstStyle/>
-          <a:p>
-            <a:fld id="{547BABF9-125E-4D1A-86D3-4A766169070C}" type="datetime1">
-              <a:rPr lang="en-US" smtClean="0"/>
-              <a:t>4/11/2016</a:t>
-            </a:fld>
-            <a:endParaRPr lang="en-US"/>
-          </a:p>
-        </p:txBody>
-      </p:sp>
-      <p:sp>
-        <p:nvSpPr>
-          <p:cNvPr id="5" name="Slide Number Placeholder 4"/>
-          <p:cNvSpPr>
-            <a:spLocks noGrp="1"/>
-          </p:cNvSpPr>
-          <p:nvPr>
-            <p:ph type="sldNum" sz="quarter" idx="12"/>
-          </p:nvPr>
-        </p:nvSpPr>
-        <p:spPr/>
-        <p:txBody>
-          <a:bodyPr/>
-          <a:lstStyle/>
-          <a:p>
-            <a:fld id="{01A9C458-A85D-46FC-8A96-95DD6C9D74F4}" type="slidenum">
-              <a:rPr lang="en-US" smtClean="0"/>
-              <a:t>19</a:t>
-            </a:fld>
-            <a:endParaRPr lang="en-US"/>
-          </a:p>
-        </p:txBody>
-      </p:sp>
-    </p:spTree>
-    <p:extLst>
-      <p:ext uri="{BB962C8B-B14F-4D97-AF65-F5344CB8AC3E}">
-        <p14:creationId xmlns:p14="http://schemas.microsoft.com/office/powerpoint/2010/main" val="4125875853"/>
       </p:ext>
     </p:extLst>
   </p:cSld>
@@ -6708,11 +6590,7 @@
           <a:p>
             <a:r>
               <a:rPr lang="en-US" dirty="0" smtClean="0"/>
-              <a:t>Performance of Message-</a:t>
-            </a:r>
-            <a:r>
-              <a:rPr lang="en-US" dirty="0" err="1" smtClean="0"/>
-              <a:t>OrientedWorkloads</a:t>
+              <a:t>Performance of Message-Oriented Workloads</a:t>
             </a:r>
             <a:endParaRPr lang="en-US" dirty="0"/>
           </a:p>
@@ -6892,7 +6770,21 @@
               <a:rPr lang="en-US" dirty="0" smtClean="0"/>
               <a:t>Unified interface for various I/O types, TCP connection, UNIX domain sockets, disk files…</a:t>
             </a:r>
-            <a:endParaRPr lang="en-US" dirty="0"/>
+          </a:p>
+          <a:p>
+            <a:r>
+              <a:rPr lang="en-US" dirty="0" smtClean="0">
+                <a:solidFill>
+                  <a:srgbClr val="FF0000"/>
+                </a:solidFill>
+              </a:rPr>
+              <a:t>Low overhead &amp; multi-core scalability</a:t>
+            </a:r>
+            <a:endParaRPr lang="en-US" dirty="0">
+              <a:solidFill>
+                <a:srgbClr val="FF0000"/>
+              </a:solidFill>
+            </a:endParaRPr>
           </a:p>
         </p:txBody>
       </p:sp>
@@ -7083,7 +6975,7 @@
         </p:blipFill>
         <p:spPr>
           <a:xfrm>
-            <a:off x="1871662" y="1913282"/>
+            <a:off x="1884915" y="1833769"/>
             <a:ext cx="5400675" cy="4038600"/>
           </a:xfrm>
           <a:prstGeom prst="rect">
@@ -7158,16 +7050,60 @@
             <a:spLocks noGrp="1"/>
           </p:cNvSpPr>
           <p:nvPr>
-            <p:ph idx="1"/>
-          </p:nvPr>
-        </p:nvSpPr>
-        <p:spPr/>
-        <p:txBody>
-          <a:bodyPr/>
-          <a:lstStyle/>
-          <a:p>
+            <p:ph sz="half" idx="1"/>
+          </p:nvPr>
+        </p:nvSpPr>
+        <p:spPr/>
+        <p:txBody>
+          <a:bodyPr/>
+          <a:lstStyle/>
+          <a:p>
+            <a:r>
+              <a:rPr lang="en-US" b="1" i="1" dirty="0" smtClean="0"/>
+              <a:t>Handle</a:t>
+            </a:r>
+            <a:endParaRPr lang="en-US" dirty="0" smtClean="0"/>
+          </a:p>
+          <a:p>
+            <a:pPr lvl="1"/>
             <a:r>
               <a:rPr lang="en-US" dirty="0" smtClean="0"/>
+              <a:t>Similar to file descriptor</a:t>
+            </a:r>
+          </a:p>
+          <a:p>
+            <a:pPr lvl="2"/>
+            <a:r>
+              <a:rPr lang="en-US" dirty="0" smtClean="0"/>
+              <a:t>But only valid with in a channel</a:t>
+            </a:r>
+          </a:p>
+          <a:p>
+            <a:pPr lvl="1"/>
+            <a:r>
+              <a:rPr lang="en-US" dirty="0" smtClean="0"/>
+              <a:t>TCP connection, pipe, disk file…</a:t>
+            </a:r>
+          </a:p>
+        </p:txBody>
+      </p:sp>
+      <p:sp>
+        <p:nvSpPr>
+          <p:cNvPr id="7" name="Content Placeholder 6"/>
+          <p:cNvSpPr>
+            <a:spLocks noGrp="1"/>
+          </p:cNvSpPr>
+          <p:nvPr>
+            <p:ph sz="half" idx="2"/>
+          </p:nvPr>
+        </p:nvSpPr>
+        <p:spPr/>
+        <p:txBody>
+          <a:bodyPr/>
+          <a:lstStyle/>
+          <a:p>
+            <a:r>
+              <a:rPr lang="en-US" b="1" i="1" dirty="0" smtClean="0"/>
               <a:t>Channel</a:t>
             </a:r>
           </a:p>
@@ -7175,8 +7111,17 @@
             <a:pPr lvl="1"/>
             <a:r>
               <a:rPr lang="en-US" dirty="0" smtClean="0"/>
-              <a:t>a per-core, bi-directional pipe between the kernel and user space that is used to exchange both asynchronous I/O requests and completion notification</a:t>
-            </a:r>
+              <a:t>A per-core, bi-directional pipe between the kernel and user</a:t>
+            </a:r>
+          </a:p>
+          <a:p>
+            <a:pPr lvl="1"/>
+            <a:r>
+              <a:rPr lang="en-US" dirty="0" smtClean="0"/>
+              <a:t>Multiplexes I/O operations of its handles</a:t>
+            </a:r>
+          </a:p>
+          <a:p>
             <a:endParaRPr lang="en-US" dirty="0"/>
           </a:p>
         </p:txBody>
@@ -7198,7 +7143,7 @@
           <a:p>
             <a:fld id="{547BABF9-125E-4D1A-86D3-4A766169070C}" type="datetime1">
               <a:rPr lang="en-US" smtClean="0"/>
-              <a:t>4/11/2016</a:t>
+              <a:t>4/12/2016</a:t>
             </a:fld>
             <a:endParaRPr lang="en-US"/>
           </a:p>
@@ -7235,16 +7180,15 @@
           </p:cNvPicPr>
           <p:nvPr/>
         </p:nvPicPr>
-        <p:blipFill>
+        <p:blipFill rotWithShape="1">
           <a:blip r:embed="rId2"/>
-          <a:stretch>
-            <a:fillRect/>
-          </a:stretch>
+          <a:srcRect l="9756" t="4825" b="9103"/>
+          <a:stretch/>
         </p:blipFill>
         <p:spPr>
           <a:xfrm>
-            <a:off x="2234026" y="2986709"/>
-            <a:ext cx="4543425" cy="3429000"/>
+            <a:off x="2054086" y="3260034"/>
+            <a:ext cx="4704523" cy="3386437"/>
           </a:xfrm>
           <a:prstGeom prst="rect">
             <a:avLst/>
@@ -7430,8 +7374,8 @@
         </p:blipFill>
         <p:spPr>
           <a:xfrm>
-            <a:off x="1242300" y="3856382"/>
-            <a:ext cx="3603854" cy="2536755"/>
+            <a:off x="1335065" y="3776869"/>
+            <a:ext cx="3064657" cy="2157214"/>
           </a:xfrm>
           <a:prstGeom prst="rect">
             <a:avLst/>
@@ -7454,14 +7398,73 @@
         </p:blipFill>
         <p:spPr>
           <a:xfrm>
-            <a:off x="4784034" y="3833261"/>
-            <a:ext cx="3801303" cy="2340802"/>
+            <a:off x="4572000" y="3793504"/>
+            <a:ext cx="3260036" cy="2007496"/>
           </a:xfrm>
           <a:prstGeom prst="rect">
             <a:avLst/>
           </a:prstGeom>
         </p:spPr>
       </p:pic>
+      <p:sp>
+        <p:nvSpPr>
+          <p:cNvPr id="8" name="TextBox 7"/>
+          <p:cNvSpPr txBox="1"/>
+          <p:nvPr/>
+        </p:nvSpPr>
+        <p:spPr>
+          <a:xfrm>
+            <a:off x="1948070" y="6016487"/>
+            <a:ext cx="1785232" cy="369332"/>
+          </a:xfrm>
+          <a:prstGeom prst="rect">
+            <a:avLst/>
+          </a:prstGeom>
+          <a:noFill/>
+        </p:spPr>
+        <p:txBody>
+          <a:bodyPr wrap="none" rtlCol="0">
+            <a:spAutoFit/>
+          </a:bodyPr>
+          <a:lstStyle/>
+          <a:p>
+            <a:r>
+              <a:rPr lang="en-US" altLang="zh-CN" dirty="0" smtClean="0"/>
+              <a:t>Readiness Model</a:t>
+            </a:r>
+          </a:p>
+        </p:txBody>
+      </p:sp>
+      <p:sp>
+        <p:nvSpPr>
+          <p:cNvPr id="9" name="TextBox 8"/>
+          <p:cNvSpPr txBox="1"/>
+          <p:nvPr/>
+        </p:nvSpPr>
+        <p:spPr>
+          <a:xfrm>
+            <a:off x="5645426" y="6029739"/>
+            <a:ext cx="654346" cy="369332"/>
+          </a:xfrm>
+          <a:prstGeom prst="rect">
+            <a:avLst/>
+          </a:prstGeom>
+          <a:noFill/>
+        </p:spPr>
+        <p:txBody>
+          <a:bodyPr wrap="none" rtlCol="0">
+            <a:spAutoFit/>
+          </a:bodyPr>
+          <a:lstStyle/>
+          <a:p>
+            <a:r>
+              <a:rPr lang="en-US" dirty="0" smtClean="0"/>
+              <a:t>CNM</a:t>
+            </a:r>
+            <a:endParaRPr lang="en-US" dirty="0"/>
+          </a:p>
+        </p:txBody>
+      </p:sp>
     </p:spTree>
     <p:extLst>
       <p:ext uri="{BB962C8B-B14F-4D97-AF65-F5344CB8AC3E}">

--- a/root/usr/paper_report/midterm.pptx
+++ b/root/usr/paper_report/midterm.pptx
@@ -124,6 +124,11 @@
       </a:defRPr>
     </a:lvl9pPr>
   </p:defaultTextStyle>
+  <p:extLst>
+    <p:ext uri="{EFAFB233-063F-42B5-8137-9DF3F51BA10A}">
+      <p15:sldGuideLst xmlns:p15="http://schemas.microsoft.com/office/powerpoint/2012/main"/>
+    </p:ext>
+  </p:extLst>
 </p:presentation>
 </file>
 
@@ -209,7 +214,7 @@
           <a:p>
             <a:fld id="{26F35C2A-40F9-4414-BBA0-1E1A9FBD1341}" type="datetimeFigureOut">
               <a:rPr lang="en-US" smtClean="0"/>
-              <a:t>4/11/2016</a:t>
+              <a:t>4/12/2016</a:t>
             </a:fld>
             <a:endParaRPr lang="en-US"/>
           </a:p>
@@ -968,7 +973,7 @@
           <a:p>
             <a:fld id="{A9B178B5-E89C-4843-BE58-CB2F8CE203BD}" type="datetime1">
               <a:rPr lang="en-US" smtClean="0"/>
-              <a:t>4/11/2016</a:t>
+              <a:t>4/12/2016</a:t>
             </a:fld>
             <a:endParaRPr lang="en-US"/>
           </a:p>
@@ -1139,7 +1144,7 @@
           <a:p>
             <a:fld id="{582A3984-7D89-446B-AAAB-B7D5E1A24F33}" type="datetime1">
               <a:rPr lang="en-US" smtClean="0"/>
-              <a:t>4/11/2016</a:t>
+              <a:t>4/12/2016</a:t>
             </a:fld>
             <a:endParaRPr lang="en-US"/>
           </a:p>
@@ -1319,7 +1324,7 @@
           <a:p>
             <a:fld id="{B8417885-FCE0-4D9F-894C-3572F61F4624}" type="datetime1">
               <a:rPr lang="en-US" smtClean="0"/>
-              <a:t>4/11/2016</a:t>
+              <a:t>4/12/2016</a:t>
             </a:fld>
             <a:endParaRPr lang="en-US"/>
           </a:p>
@@ -1519,7 +1524,7 @@
           <a:p>
             <a:fld id="{E50454DA-6680-4DE3-91BC-2C815E2FDBC7}" type="datetime1">
               <a:rPr lang="en-US" smtClean="0"/>
-              <a:t>4/11/2016</a:t>
+              <a:t>4/12/2016</a:t>
             </a:fld>
             <a:endParaRPr lang="en-US"/>
           </a:p>
@@ -1701,7 +1706,7 @@
           <a:p>
             <a:fld id="{547BABF9-125E-4D1A-86D3-4A766169070C}" type="datetime1">
               <a:rPr lang="en-US" smtClean="0"/>
-              <a:t>4/11/2016</a:t>
+              <a:t>4/12/2016</a:t>
             </a:fld>
             <a:endParaRPr lang="en-US"/>
           </a:p>
@@ -1947,7 +1952,7 @@
           <a:p>
             <a:fld id="{DC0EF531-3BE7-4D28-9193-44B6D47DDA76}" type="datetime1">
               <a:rPr lang="en-US" smtClean="0"/>
-              <a:t>4/11/2016</a:t>
+              <a:t>4/12/2016</a:t>
             </a:fld>
             <a:endParaRPr lang="en-US"/>
           </a:p>
@@ -2179,7 +2184,7 @@
           <a:p>
             <a:fld id="{396EA36C-6EF1-4F52-A49C-9B9473338725}" type="datetime1">
               <a:rPr lang="en-US" smtClean="0"/>
-              <a:t>4/11/2016</a:t>
+              <a:t>4/12/2016</a:t>
             </a:fld>
             <a:endParaRPr lang="en-US"/>
           </a:p>
@@ -2546,7 +2551,7 @@
           <a:p>
             <a:fld id="{39C36677-FBE4-4152-98FC-94EE343C17B3}" type="datetime1">
               <a:rPr lang="en-US" smtClean="0"/>
-              <a:t>4/11/2016</a:t>
+              <a:t>4/12/2016</a:t>
             </a:fld>
             <a:endParaRPr lang="en-US"/>
           </a:p>
@@ -2664,7 +2669,7 @@
           <a:p>
             <a:fld id="{B2958038-D56A-4D7E-BE4F-FA58CAA10546}" type="datetime1">
               <a:rPr lang="en-US" smtClean="0"/>
-              <a:t>4/11/2016</a:t>
+              <a:t>4/12/2016</a:t>
             </a:fld>
             <a:endParaRPr lang="en-US"/>
           </a:p>
@@ -2759,7 +2764,7 @@
           <a:p>
             <a:fld id="{5CDBD849-12CA-46A9-91B4-4C010A19BD27}" type="datetime1">
               <a:rPr lang="en-US" smtClean="0"/>
-              <a:t>4/11/2016</a:t>
+              <a:t>4/12/2016</a:t>
             </a:fld>
             <a:endParaRPr lang="en-US"/>
           </a:p>
@@ -3036,7 +3041,7 @@
           <a:p>
             <a:fld id="{B4FB90F4-ECF6-4680-802A-58AA720C5367}" type="datetime1">
               <a:rPr lang="en-US" smtClean="0"/>
-              <a:t>4/11/2016</a:t>
+              <a:t>4/12/2016</a:t>
             </a:fld>
             <a:endParaRPr lang="en-US"/>
           </a:p>
@@ -3289,7 +3294,7 @@
           <a:p>
             <a:fld id="{A2E1F9B5-8C37-4DDF-83FA-E998A0EA0F85}" type="datetime1">
               <a:rPr lang="en-US" smtClean="0"/>
-              <a:t>4/11/2016</a:t>
+              <a:t>4/12/2016</a:t>
             </a:fld>
             <a:endParaRPr lang="en-US"/>
           </a:p>
@@ -3502,7 +3507,7 @@
           <a:p>
             <a:fld id="{A9B178B5-E89C-4843-BE58-CB2F8CE203BD}" type="datetime1">
               <a:rPr lang="en-US" smtClean="0"/>
-              <a:t>4/11/2016</a:t>
+              <a:t>4/12/2016</a:t>
             </a:fld>
             <a:endParaRPr lang="en-US"/>
           </a:p>
@@ -4041,7 +4046,7 @@
           <a:p>
             <a:fld id="{3A72E5E7-916F-4994-B7FC-C55402553DB0}" type="datetime1">
               <a:rPr lang="en-US" smtClean="0"/>
-              <a:t>4/11/2016</a:t>
+              <a:t>4/12/2016</a:t>
             </a:fld>
             <a:endParaRPr lang="en-US"/>
           </a:p>
@@ -4254,7 +4259,7 @@
           <a:p>
             <a:fld id="{547BABF9-125E-4D1A-86D3-4A766169070C}" type="datetime1">
               <a:rPr lang="en-US" smtClean="0"/>
-              <a:t>4/11/2016</a:t>
+              <a:t>4/12/2016</a:t>
             </a:fld>
             <a:endParaRPr lang="en-US"/>
           </a:p>
@@ -4582,7 +4587,7 @@
           <a:p>
             <a:fld id="{547BABF9-125E-4D1A-86D3-4A766169070C}" type="datetime1">
               <a:rPr lang="en-US" smtClean="0"/>
-              <a:t>4/11/2016</a:t>
+              <a:t>4/12/2016</a:t>
             </a:fld>
             <a:endParaRPr lang="en-US"/>
           </a:p>
@@ -4741,7 +4746,7 @@
           <a:p>
             <a:fld id="{547BABF9-125E-4D1A-86D3-4A766169070C}" type="datetime1">
               <a:rPr lang="en-US" smtClean="0"/>
-              <a:t>4/11/2016</a:t>
+              <a:t>4/12/2016</a:t>
             </a:fld>
             <a:endParaRPr lang="en-US"/>
           </a:p>
@@ -4967,7 +4972,7 @@
           <a:p>
             <a:fld id="{547BABF9-125E-4D1A-86D3-4A766169070C}" type="datetime1">
               <a:rPr lang="en-US" smtClean="0"/>
-              <a:t>4/11/2016</a:t>
+              <a:t>4/12/2016</a:t>
             </a:fld>
             <a:endParaRPr lang="en-US"/>
           </a:p>
@@ -5103,7 +5108,7 @@
           <a:p>
             <a:fld id="{547BABF9-125E-4D1A-86D3-4A766169070C}" type="datetime1">
               <a:rPr lang="en-US" smtClean="0"/>
-              <a:t>4/11/2016</a:t>
+              <a:t>4/12/2016</a:t>
             </a:fld>
             <a:endParaRPr lang="en-US"/>
           </a:p>
@@ -5266,7 +5271,7 @@
           <a:p>
             <a:fld id="{547BABF9-125E-4D1A-86D3-4A766169070C}" type="datetime1">
               <a:rPr lang="en-US" smtClean="0"/>
-              <a:t>4/11/2016</a:t>
+              <a:t>4/12/2016</a:t>
             </a:fld>
             <a:endParaRPr lang="en-US"/>
           </a:p>
@@ -5419,7 +5424,7 @@
           <a:p>
             <a:fld id="{547BABF9-125E-4D1A-86D3-4A766169070C}" type="datetime1">
               <a:rPr lang="en-US" smtClean="0"/>
-              <a:t>4/11/2016</a:t>
+              <a:t>4/12/2016</a:t>
             </a:fld>
             <a:endParaRPr lang="en-US"/>
           </a:p>
@@ -5661,7 +5666,7 @@
           <a:p>
             <a:fld id="{396EA36C-6EF1-4F52-A49C-9B9473338725}" type="datetime1">
               <a:rPr lang="en-US" smtClean="0"/>
-              <a:t>4/11/2016</a:t>
+              <a:t>4/12/2016</a:t>
             </a:fld>
             <a:endParaRPr lang="en-US"/>
           </a:p>
@@ -5786,7 +5791,7 @@
           <a:p>
             <a:fld id="{547BABF9-125E-4D1A-86D3-4A766169070C}" type="datetime1">
               <a:rPr lang="en-US" smtClean="0"/>
-              <a:t>4/11/2016</a:t>
+              <a:t>4/12/2016</a:t>
             </a:fld>
             <a:endParaRPr lang="en-US"/>
           </a:p>
@@ -5892,8 +5897,16 @@
           <a:lstStyle/>
           <a:p>
             <a:r>
-              <a:rPr lang="en-US" dirty="0" err="1" smtClean="0"/>
-              <a:t>Backgroud</a:t>
+              <a:rPr lang="en-US" dirty="0" smtClean="0"/>
+              <a:t>Backgrou</a:t>
+            </a:r>
+            <a:r>
+              <a:rPr lang="en-US" altLang="zh-CN" dirty="0" smtClean="0"/>
+              <a:t>n</a:t>
+            </a:r>
+            <a:r>
+              <a:rPr lang="en-US" dirty="0" smtClean="0"/>
+              <a:t>d</a:t>
             </a:r>
             <a:endParaRPr lang="en-US" dirty="0"/>
           </a:p>
@@ -5995,7 +6008,7 @@
           <a:p>
             <a:fld id="{AEB56924-6223-4B7C-BBF2-E7F158A1E76A}" type="datetime1">
               <a:rPr lang="en-US" smtClean="0"/>
-              <a:t>4/11/2016</a:t>
+              <a:t>4/12/2016</a:t>
             </a:fld>
             <a:endParaRPr lang="en-US"/>
           </a:p>
@@ -6358,7 +6371,7 @@
           <a:p>
             <a:fld id="{547BABF9-125E-4D1A-86D3-4A766169070C}" type="datetime1">
               <a:rPr lang="en-US" smtClean="0"/>
-              <a:t>4/11/2016</a:t>
+              <a:t>4/12/2016</a:t>
             </a:fld>
             <a:endParaRPr lang="en-US"/>
           </a:p>
@@ -6483,7 +6496,7 @@
           <a:p>
             <a:fld id="{547BABF9-125E-4D1A-86D3-4A766169070C}" type="datetime1">
               <a:rPr lang="en-US" smtClean="0"/>
-              <a:t>4/11/2016</a:t>
+              <a:t>4/12/2016</a:t>
             </a:fld>
             <a:endParaRPr lang="en-US"/>
           </a:p>
@@ -6632,7 +6645,7 @@
           <a:p>
             <a:fld id="{547BABF9-125E-4D1A-86D3-4A766169070C}" type="datetime1">
               <a:rPr lang="en-US" smtClean="0"/>
-              <a:t>4/11/2016</a:t>
+              <a:t>4/12/2016</a:t>
             </a:fld>
             <a:endParaRPr lang="en-US"/>
           </a:p>
@@ -6805,7 +6818,7 @@
           <a:p>
             <a:fld id="{547BABF9-125E-4D1A-86D3-4A766169070C}" type="datetime1">
               <a:rPr lang="en-US" smtClean="0"/>
-              <a:t>4/11/2016</a:t>
+              <a:t>4/12/2016</a:t>
             </a:fld>
             <a:endParaRPr lang="en-US"/>
           </a:p>
@@ -6930,7 +6943,7 @@
           <a:p>
             <a:fld id="{547BABF9-125E-4D1A-86D3-4A766169070C}" type="datetime1">
               <a:rPr lang="en-US" smtClean="0"/>
-              <a:t>4/11/2016</a:t>
+              <a:t>4/12/2016</a:t>
             </a:fld>
             <a:endParaRPr lang="en-US"/>
           </a:p>
@@ -7329,7 +7342,7 @@
           <a:p>
             <a:fld id="{547BABF9-125E-4D1A-86D3-4A766169070C}" type="datetime1">
               <a:rPr lang="en-US" smtClean="0"/>
-              <a:t>4/11/2016</a:t>
+              <a:t>4/12/2016</a:t>
             </a:fld>
             <a:endParaRPr lang="en-US"/>
           </a:p>
